--- a/files/teaching/sublinear-big-data-exam.pptx
+++ b/files/teaching/sublinear-big-data-exam.pptx
@@ -10349,7 +10349,7 @@
               <a:rPr lang="en-US" dirty="0" smtClean="0">
                 <a:hlinkClick r:id="rId2"/>
               </a:rPr>
-              <a:t>big-data@grigory.us</a:t>
+              <a:t>grigory@grigory.us</a:t>
             </a:r>
             <a:endParaRPr lang="en-US" dirty="0" smtClean="0"/>
           </a:p>
@@ -10357,14 +10357,14 @@
             <a:pPr lvl="1"/>
             <a:r>
               <a:rPr lang="en-US" dirty="0" smtClean="0"/>
-              <a:t>Submission Title (once): Exam + “Your Name”</a:t>
+              <a:t>Submission Title (once): Exam + Space + “Your Name”</a:t>
             </a:r>
           </a:p>
           <a:p>
             <a:pPr lvl="1"/>
             <a:r>
               <a:rPr lang="en-US" dirty="0" smtClean="0"/>
-              <a:t>Question Title: Question + “Your Name”</a:t>
+              <a:t>Question Title: Question + Space + “Your Name”</a:t>
             </a:r>
           </a:p>
           <a:p>

--- a/files/teaching/sublinear-big-data-exam.pptx
+++ b/files/teaching/sublinear-big-data-exam.pptx
@@ -3388,8 +3388,8 @@
           </a:p>
         </p:txBody>
       </p:sp>
-      <mc:AlternateContent xmlns:mc="http://schemas.openxmlformats.org/markup-compatibility/2006">
-        <mc:Choice xmlns:a14="http://schemas.microsoft.com/office/drawing/2010/main" Requires="a14">
+      <mc:AlternateContent xmlns:mc="http://schemas.openxmlformats.org/markup-compatibility/2006" xmlns:a14="http://schemas.microsoft.com/office/drawing/2010/main">
+        <mc:Choice Requires="a14">
           <p:sp>
             <p:nvSpPr>
               <p:cNvPr id="3" name="Content Placeholder 2"/>
@@ -3468,11 +3468,7 @@
                 </a:r>
                 <a:r>
                   <a:rPr lang="en-US" dirty="0" smtClean="0"/>
-                  <a:t> </a:t>
-                </a:r>
-                <a:r>
-                  <a:rPr lang="en-US" dirty="0" smtClean="0"/>
-                  <a:t>Let </a:t>
+                  <a:t> Let </a:t>
                 </a:r>
                 <a14:m>
                   <m:oMath xmlns:m="http://schemas.openxmlformats.org/officeDocument/2006/math">
@@ -3559,15 +3555,7 @@
                 </a:r>
                 <a:r>
                   <a:rPr lang="en-US" dirty="0" smtClean="0"/>
-                  <a:t> with range [0, </a:t>
-                </a:r>
-                <a:r>
-                  <a:rPr lang="en-US" dirty="0" smtClean="0"/>
-                  <a:t>1] </a:t>
-                </a:r>
-                <a:r>
-                  <a:rPr lang="en-US" dirty="0" smtClean="0"/>
-                  <a:t>and expectation </a:t>
+                  <a:t> with range [0, 1] and expectation </a:t>
                 </a:r>
                 <a14:m>
                   <m:oMath xmlns:m="http://schemas.openxmlformats.org/officeDocument/2006/math">
@@ -3930,11 +3918,7 @@
                 </a:r>
                 <a:r>
                   <a:rPr lang="en-US" dirty="0" smtClean="0"/>
-                  <a:t> </a:t>
-                </a:r>
-                <a:r>
-                  <a:rPr lang="en-US" dirty="0" smtClean="0"/>
-                  <a:t>Let </a:t>
+                  <a:t> Let </a:t>
                 </a:r>
                 <a14:m>
                   <m:oMath xmlns:m="http://schemas.openxmlformats.org/officeDocument/2006/math">
@@ -4397,7 +4381,7 @@
             </p:txBody>
           </p:sp>
         </mc:Choice>
-        <mc:Fallback>
+        <mc:Fallback xmlns="">
           <p:sp>
             <p:nvSpPr>
               <p:cNvPr id="3" name="Content Placeholder 2"/>
@@ -4780,8 +4764,8 @@
           </a:p>
         </p:txBody>
       </p:sp>
-      <mc:AlternateContent xmlns:mc="http://schemas.openxmlformats.org/markup-compatibility/2006">
-        <mc:Choice xmlns:a14="http://schemas.microsoft.com/office/drawing/2010/main" Requires="a14">
+      <mc:AlternateContent xmlns:mc="http://schemas.openxmlformats.org/markup-compatibility/2006" xmlns:a14="http://schemas.microsoft.com/office/drawing/2010/main">
+        <mc:Choice Requires="a14">
           <p:sp>
             <p:nvSpPr>
               <p:cNvPr id="3" name="Content Placeholder 2"/>
@@ -5130,11 +5114,7 @@
                 </a:r>
                 <a:r>
                   <a:rPr lang="en-US" dirty="0" smtClean="0"/>
-                  <a:t> </a:t>
-                </a:r>
-                <a:r>
-                  <a:rPr lang="en-US" dirty="0" smtClean="0"/>
-                  <a:t>For every </a:t>
+                  <a:t> For every </a:t>
                 </a:r>
                 <a14:m>
                   <m:oMath xmlns:m="http://schemas.openxmlformats.org/officeDocument/2006/math">
@@ -5148,13 +5128,7 @@
                       <a:rPr lang="en-US" b="0" i="1" smtClean="0">
                         <a:latin typeface="Cambria Math"/>
                       </a:rPr>
-                      <m:t>′</m:t>
-                    </m:r>
-                    <m:r>
-                      <a:rPr lang="en-US" b="0" i="1" smtClean="0">
-                        <a:latin typeface="Cambria Math"/>
-                      </a:rPr>
-                      <m:t>&gt;0:</m:t>
+                      <m:t>′&gt;0:</m:t>
                     </m:r>
                   </m:oMath>
                 </a14:m>
@@ -5271,13 +5245,7 @@
                                 <a:rPr lang="en-US" b="0" i="1" smtClean="0">
                                   <a:latin typeface="Cambria Math"/>
                                 </a:rPr>
-                                <m:t>′</m:t>
-                              </m:r>
-                              <m:r>
-                                <a:rPr lang="en-US" b="0" i="1" smtClean="0">
-                                  <a:latin typeface="Cambria Math"/>
-                                </a:rPr>
-                                <m:t> </m:t>
+                                <m:t>′ </m:t>
                               </m:r>
                               <m:r>
                                 <a:rPr lang="en-US" b="0" i="1" smtClean="0">
@@ -5383,13 +5351,7 @@
                                     <a:rPr lang="en-US" b="0" i="1" smtClean="0">
                                       <a:latin typeface="Cambria Math"/>
                                     </a:rPr>
-                                    <m:t>′</m:t>
-                                  </m:r>
-                                  <m:r>
-                                    <a:rPr lang="en-US" b="0" i="1" smtClean="0">
-                                      <a:latin typeface="Cambria Math"/>
-                                    </a:rPr>
-                                    <m:t> </m:t>
+                                    <m:t>′ </m:t>
                                   </m:r>
                                   <m:r>
                                     <a:rPr lang="en-US" b="0" i="1" smtClean="0">
@@ -5438,7 +5400,7 @@
             </p:txBody>
           </p:sp>
         </mc:Choice>
-        <mc:Fallback>
+        <mc:Fallback xmlns="">
           <p:sp>
             <p:nvSpPr>
               <p:cNvPr id="3" name="Content Placeholder 2"/>
@@ -5811,8 +5773,8 @@
           </a:p>
         </p:txBody>
       </p:sp>
-      <mc:AlternateContent xmlns:mc="http://schemas.openxmlformats.org/markup-compatibility/2006">
-        <mc:Choice xmlns:a14="http://schemas.microsoft.com/office/drawing/2010/main" Requires="a14">
+      <mc:AlternateContent xmlns:mc="http://schemas.openxmlformats.org/markup-compatibility/2006" xmlns:a14="http://schemas.microsoft.com/office/drawing/2010/main">
+        <mc:Choice Requires="a14">
           <p:sp>
             <p:nvSpPr>
               <p:cNvPr id="3" name="Content Placeholder 2"/>
@@ -6010,11 +5972,7 @@
                 </a:r>
                 <a:r>
                   <a:rPr lang="en-US" dirty="0" smtClean="0"/>
-                  <a:t>: </a:t>
-                </a:r>
-                <a:r>
-                  <a:rPr lang="en-US" dirty="0" smtClean="0"/>
-                  <a:t>Find </a:t>
+                  <a:t>: Find </a:t>
                 </a:r>
                 <a14:m>
                   <m:oMath xmlns:m="http://schemas.openxmlformats.org/officeDocument/2006/math">
@@ -6618,7 +6576,6 @@
                   <a:rPr lang="en-US" dirty="0" smtClean="0"/>
                   <a:t>.</a:t>
                 </a:r>
-                <a:endParaRPr lang="en-US" dirty="0" smtClean="0"/>
               </a:p>
               <a:p>
                 <a:endParaRPr lang="en-US" dirty="0"/>
@@ -6626,7 +6583,7 @@
             </p:txBody>
           </p:sp>
         </mc:Choice>
-        <mc:Fallback>
+        <mc:Fallback xmlns="">
           <p:sp>
             <p:nvSpPr>
               <p:cNvPr id="3" name="Content Placeholder 2"/>
@@ -7020,7 +6977,7 @@
             <p:spPr>
               <a:xfrm>
                 <a:off x="457200" y="1600200"/>
-                <a:ext cx="8229600" cy="5105400"/>
+                <a:ext cx="8229600" cy="5257800"/>
               </a:xfrm>
             </p:spPr>
             <p:txBody>
@@ -7048,11 +7005,7 @@
                 </a14:m>
                 <a:r>
                   <a:rPr lang="en-US" dirty="0" smtClean="0"/>
-                  <a:t> </a:t>
-                </a:r>
-                <a:r>
-                  <a:rPr lang="en-US" dirty="0" smtClean="0"/>
-                  <a:t>elements </a:t>
+                  <a:t> elements </a:t>
                 </a:r>
                 <a14:m>
                   <m:oMath xmlns:m="http://schemas.openxmlformats.org/officeDocument/2006/math">
@@ -7119,11 +7072,7 @@
                 </a14:m>
                 <a:r>
                   <a:rPr lang="en-US" dirty="0" smtClean="0"/>
-                  <a:t> </a:t>
-                </a:r>
-                <a:r>
-                  <a:rPr lang="en-US" dirty="0" smtClean="0"/>
-                  <a:t>from universe </a:t>
+                  <a:t> from universe </a:t>
                 </a:r>
                 <a14:m>
                   <m:oMath xmlns:m="http://schemas.openxmlformats.org/officeDocument/2006/math">
@@ -7191,9 +7140,6 @@
                   </a:rPr>
                   <a:t>   </a:t>
                 </a:r>
-                <a:endParaRPr lang="en-US" b="0" i="1" dirty="0" smtClean="0">
-                  <a:latin typeface="Cambria Math"/>
-                </a:endParaRPr>
               </a:p>
               <a:p>
                 <a14:m>
@@ -7506,7 +7452,7 @@
                 </a14:m>
                 <a:r>
                   <a:rPr lang="en-US" dirty="0" smtClean="0"/>
-                  <a:t> (</a:t>
+                  <a:t> + 1 (</a:t>
                 </a:r>
                 <a14:m>
                   <m:oMath xmlns:m="http://schemas.openxmlformats.org/officeDocument/2006/math">
@@ -7525,7 +7471,6 @@
                   <a:rPr lang="en-US" dirty="0" smtClean="0"/>
                   <a:t> odd).</a:t>
                 </a:r>
-                <a:endParaRPr lang="en-US" dirty="0" smtClean="0"/>
               </a:p>
               <a:p>
                 <a:r>
@@ -7538,15 +7483,45 @@
                 </a:r>
                 <a:r>
                   <a:rPr lang="en-US" dirty="0" smtClean="0"/>
-                  <a:t>Return the median of a sample of size </a:t>
+                  <a:t>Return </a:t>
                 </a:r>
                 <a14:m>
                   <m:oMath xmlns:m="http://schemas.openxmlformats.org/officeDocument/2006/math">
                     <m:r>
-                      <a:rPr lang="en-US" i="1" dirty="0" smtClean="0">
+                      <a:rPr lang="en-US" b="1" i="1" smtClean="0">
+                        <a:solidFill>
+                          <a:schemeClr val="accent2"/>
+                        </a:solidFill>
                         <a:latin typeface="Cambria Math"/>
                       </a:rPr>
-                      <m:t>𝑡</m:t>
+                      <m:t>𝒚</m:t>
+                    </m:r>
+                    <m:r>
+                      <a:rPr lang="en-US" b="0" i="1" smtClean="0">
+                        <a:latin typeface="Cambria Math"/>
+                      </a:rPr>
+                      <m:t>= </m:t>
+                    </m:r>
+                  </m:oMath>
+                </a14:m>
+                <a:r>
+                  <a:rPr lang="en-US" dirty="0" smtClean="0"/>
+                  <a:t>the </a:t>
+                </a:r>
+                <a:r>
+                  <a:rPr lang="en-US" dirty="0" smtClean="0"/>
+                  <a:t>median of a sample of size </a:t>
+                </a:r>
+                <a14:m>
+                  <m:oMath xmlns:m="http://schemas.openxmlformats.org/officeDocument/2006/math">
+                    <m:r>
+                      <a:rPr lang="en-US" b="1" i="1" dirty="0" smtClean="0">
+                        <a:solidFill>
+                          <a:srgbClr val="7030A0"/>
+                        </a:solidFill>
+                        <a:latin typeface="Cambria Math"/>
+                      </a:rPr>
+                      <m:t>𝒕</m:t>
                     </m:r>
                   </m:oMath>
                 </a14:m>
@@ -7585,15 +7560,7 @@
                       <a:schemeClr val="tx1"/>
                     </a:solidFill>
                   </a:rPr>
-                  <a:t> (with replacement</a:t>
-                </a:r>
-                <a:r>
-                  <a:rPr lang="en-US" dirty="0" smtClean="0">
-                    <a:solidFill>
-                      <a:schemeClr val="tx1"/>
-                    </a:solidFill>
-                  </a:rPr>
-                  <a:t>).</a:t>
+                  <a:t> (with replacement).</a:t>
                 </a:r>
                 <a:endParaRPr lang="en-US" dirty="0" smtClean="0">
                   <a:solidFill>
@@ -7626,8 +7593,43 @@
                 </a14:m>
                 <a:r>
                   <a:rPr lang="en-US" dirty="0" smtClean="0"/>
-                  <a:t> approximate value of the median</a:t>
-                </a:r>
+                  <a:t> approximate value of the median with probability </a:t>
+                </a:r>
+                <a14:m>
+                  <m:oMath xmlns:m="http://schemas.openxmlformats.org/officeDocument/2006/math">
+                    <m:r>
+                      <a:rPr lang="en-US" b="0" i="1" smtClean="0">
+                        <a:latin typeface="Cambria Math"/>
+                      </a:rPr>
+                      <m:t>≥</m:t>
+                    </m:r>
+                    <m:f>
+                      <m:fPr>
+                        <m:ctrlPr>
+                          <a:rPr lang="en-US" b="0" i="1" smtClean="0">
+                            <a:latin typeface="Cambria Math"/>
+                          </a:rPr>
+                        </m:ctrlPr>
+                      </m:fPr>
+                      <m:num>
+                        <m:r>
+                          <a:rPr lang="en-US" b="0" i="1" smtClean="0">
+                            <a:latin typeface="Cambria Math"/>
+                          </a:rPr>
+                          <m:t>2</m:t>
+                        </m:r>
+                      </m:num>
+                      <m:den>
+                        <m:r>
+                          <a:rPr lang="en-US" b="0" i="1" smtClean="0">
+                            <a:latin typeface="Cambria Math"/>
+                          </a:rPr>
+                          <m:t>3</m:t>
+                        </m:r>
+                      </m:den>
+                    </m:f>
+                  </m:oMath>
+                </a14:m>
                 <a:r>
                   <a:rPr lang="en-US" dirty="0" smtClean="0"/>
                   <a:t>, i.e. </a:t>
@@ -7704,10 +7706,13 @@
                         <m:t>&lt;</m:t>
                       </m:r>
                       <m:r>
-                        <a:rPr lang="en-US" b="0" i="1" smtClean="0">
+                        <a:rPr lang="en-US" b="1" i="1" smtClean="0">
+                          <a:solidFill>
+                            <a:schemeClr val="accent2"/>
+                          </a:solidFill>
                           <a:latin typeface="Cambria Math"/>
                         </a:rPr>
-                        <m:t>𝑦</m:t>
+                        <m:t>𝒚</m:t>
                       </m:r>
                       <m:r>
                         <a:rPr lang="en-US" b="0" i="1" smtClean="0">
@@ -7771,10 +7776,13 @@
                 <a14:m>
                   <m:oMath xmlns:m="http://schemas.openxmlformats.org/officeDocument/2006/math">
                     <m:r>
-                      <a:rPr lang="en-US" b="0" i="1" smtClean="0">
+                      <a:rPr lang="en-US" b="1" i="1" smtClean="0">
+                        <a:solidFill>
+                          <a:srgbClr val="7030A0"/>
+                        </a:solidFill>
                         <a:latin typeface="Cambria Math"/>
                       </a:rPr>
-                      <m:t>𝑡</m:t>
+                      <m:t>𝒕</m:t>
                     </m:r>
                     <m:r>
                       <a:rPr lang="en-US" b="0" i="1" smtClean="0">
@@ -7830,12 +7838,12 @@
             <p:spPr>
               <a:xfrm>
                 <a:off x="457200" y="1600200"/>
-                <a:ext cx="8229600" cy="5105400"/>
+                <a:ext cx="8229600" cy="5257800"/>
               </a:xfrm>
               <a:blipFill rotWithShape="1">
                 <a:blip r:embed="rId2"/>
                 <a:stretch>
-                  <a:fillRect l="-1185" t="-2389" r="-1185"/>
+                  <a:fillRect l="-1185" t="-2320" r="-1185" b="-1856"/>
                 </a:stretch>
               </a:blipFill>
             </p:spPr>
@@ -8309,8 +8317,8 @@
           <a:chExt cx="0" cy="0"/>
         </a:xfrm>
       </p:grpSpPr>
-      <mc:AlternateContent xmlns:mc="http://schemas.openxmlformats.org/markup-compatibility/2006">
-        <mc:Choice xmlns:a14="http://schemas.microsoft.com/office/drawing/2010/main" Requires="a14">
+      <mc:AlternateContent xmlns:mc="http://schemas.openxmlformats.org/markup-compatibility/2006" xmlns:a14="http://schemas.microsoft.com/office/drawing/2010/main">
+        <mc:Choice Requires="a14">
           <p:sp>
             <p:nvSpPr>
               <p:cNvPr id="2" name="Title 1"/>
@@ -8379,7 +8387,7 @@
             </p:txBody>
           </p:sp>
         </mc:Choice>
-        <mc:Fallback>
+        <mc:Fallback xmlns="">
           <p:sp>
             <p:nvSpPr>
               <p:cNvPr id="2" name="Title 1"/>
@@ -8413,8 +8421,8 @@
           </p:sp>
         </mc:Fallback>
       </mc:AlternateContent>
-      <mc:AlternateContent xmlns:mc="http://schemas.openxmlformats.org/markup-compatibility/2006">
-        <mc:Choice xmlns:a14="http://schemas.microsoft.com/office/drawing/2010/main" Requires="a14">
+      <mc:AlternateContent xmlns:mc="http://schemas.openxmlformats.org/markup-compatibility/2006" xmlns:a14="http://schemas.microsoft.com/office/drawing/2010/main">
+        <mc:Choice Requires="a14">
           <p:sp>
             <p:nvSpPr>
               <p:cNvPr id="3" name="Content Placeholder 2"/>
@@ -8713,15 +8721,7 @@
                       <a:srgbClr val="0070C0"/>
                     </a:solidFill>
                   </a:rPr>
-                  <a:t>Problem</a:t>
-                </a:r>
-                <a:r>
-                  <a:rPr lang="en-US" dirty="0" smtClean="0">
-                    <a:solidFill>
-                      <a:srgbClr val="0070C0"/>
-                    </a:solidFill>
-                  </a:rPr>
-                  <a:t>:</a:t>
+                  <a:t>Problem:</a:t>
                 </a:r>
                 <a:r>
                   <a:rPr lang="en-US" dirty="0" smtClean="0"/>
@@ -9034,7 +9034,7 @@
             </p:txBody>
           </p:sp>
         </mc:Choice>
-        <mc:Fallback>
+        <mc:Fallback xmlns="">
           <p:sp>
             <p:nvSpPr>
               <p:cNvPr id="3" name="Content Placeholder 2"/>
@@ -9641,11 +9641,55 @@
                       </a:rPr>
                       <m:t>𝑪</m:t>
                     </m:r>
+                    <m:r>
+                      <m:rPr>
+                        <m:nor/>
+                      </m:rPr>
+                      <a:rPr lang="en-US" b="0" i="0" dirty="0" smtClean="0">
+                        <a:solidFill>
+                          <a:srgbClr val="00B050"/>
+                        </a:solidFill>
+                        <a:latin typeface="Cambria Math"/>
+                      </a:rPr>
+                      <m:t> </m:t>
+                    </m:r>
+                    <m:r>
+                      <m:rPr>
+                        <m:nor/>
+                      </m:rPr>
+                      <a:rPr lang="en-US" dirty="0"/>
+                      <m:t>&gt;</m:t>
+                    </m:r>
+                    <m:r>
+                      <m:rPr>
+                        <m:nor/>
+                      </m:rPr>
+                      <a:rPr lang="en-US" b="0" i="0" dirty="0" smtClean="0"/>
+                      <m:t> </m:t>
+                    </m:r>
+                    <m:r>
+                      <m:rPr>
+                        <m:nor/>
+                      </m:rPr>
+                      <a:rPr lang="en-US" dirty="0"/>
+                      <m:t>0</m:t>
+                    </m:r>
+                    <m:r>
+                      <m:rPr>
+                        <m:nor/>
+                      </m:rPr>
+                      <a:rPr lang="en-US" b="0" i="0" dirty="0" smtClean="0"/>
+                      <m:t> </m:t>
+                    </m:r>
                   </m:oMath>
                 </a14:m>
                 <a:r>
                   <a:rPr lang="en-US" dirty="0" smtClean="0"/>
-                  <a:t> show the following bounds on the weight of the minimum spanning tree </a:t>
+                  <a:t>show </a:t>
+                </a:r>
+                <a:r>
+                  <a:rPr lang="en-US" dirty="0" smtClean="0"/>
+                  <a:t>the following bounds on the weight of the minimum spanning tree </a:t>
                 </a:r>
                 <a14:m>
                   <m:oMath xmlns:m="http://schemas.openxmlformats.org/officeDocument/2006/math">
